--- a/Documents/Slides/Identity-Introduction.pptx
+++ b/Documents/Slides/Identity-Introduction.pptx
@@ -5,10 +5,10 @@
     <p:sldMasterId id="2147483648" r:id="rId1"/>
   </p:sldMasterIdLst>
   <p:notesMasterIdLst>
-    <p:notesMasterId r:id="rId23"/>
+    <p:notesMasterId r:id="rId24"/>
   </p:notesMasterIdLst>
   <p:handoutMasterIdLst>
-    <p:handoutMasterId r:id="rId24"/>
+    <p:handoutMasterId r:id="rId25"/>
   </p:handoutMasterIdLst>
   <p:sldIdLst>
     <p:sldId id="256" r:id="rId2"/>
@@ -19,19 +19,20 @@
     <p:sldId id="401" r:id="rId7"/>
     <p:sldId id="417" r:id="rId8"/>
     <p:sldId id="404" r:id="rId9"/>
-    <p:sldId id="403" r:id="rId10"/>
-    <p:sldId id="412" r:id="rId11"/>
-    <p:sldId id="413" r:id="rId12"/>
-    <p:sldId id="414" r:id="rId13"/>
-    <p:sldId id="406" r:id="rId14"/>
-    <p:sldId id="405" r:id="rId15"/>
-    <p:sldId id="411" r:id="rId16"/>
-    <p:sldId id="407" r:id="rId17"/>
-    <p:sldId id="408" r:id="rId18"/>
-    <p:sldId id="409" r:id="rId19"/>
-    <p:sldId id="410" r:id="rId20"/>
-    <p:sldId id="399" r:id="rId21"/>
-    <p:sldId id="416" r:id="rId22"/>
+    <p:sldId id="418" r:id="rId10"/>
+    <p:sldId id="403" r:id="rId11"/>
+    <p:sldId id="412" r:id="rId12"/>
+    <p:sldId id="413" r:id="rId13"/>
+    <p:sldId id="414" r:id="rId14"/>
+    <p:sldId id="406" r:id="rId15"/>
+    <p:sldId id="405" r:id="rId16"/>
+    <p:sldId id="411" r:id="rId17"/>
+    <p:sldId id="407" r:id="rId18"/>
+    <p:sldId id="408" r:id="rId19"/>
+    <p:sldId id="409" r:id="rId20"/>
+    <p:sldId id="410" r:id="rId21"/>
+    <p:sldId id="399" r:id="rId22"/>
+    <p:sldId id="416" r:id="rId23"/>
   </p:sldIdLst>
   <p:sldSz cx="9144000" cy="6858000" type="screen4x3"/>
   <p:notesSz cx="6867525" cy="9994900"/>
@@ -1246,6 +1247,529 @@
       <dsp:cNvGrpSpPr/>
     </dsp:nvGrpSpPr>
     <dsp:grpSpPr/>
+    <dsp:sp modelId="{5ADC101B-D0AF-4253-90C2-A65DAB022F0F}">
+      <dsp:nvSpPr>
+        <dsp:cNvPr id="0" name=""/>
+        <dsp:cNvSpPr/>
+      </dsp:nvSpPr>
+      <dsp:spPr>
+        <a:xfrm>
+          <a:off x="2879" y="1150705"/>
+          <a:ext cx="1259032" cy="1082964"/>
+        </a:xfrm>
+        <a:prstGeom prst="roundRect">
+          <a:avLst>
+            <a:gd name="adj" fmla="val 10000"/>
+          </a:avLst>
+        </a:prstGeom>
+        <a:solidFill>
+          <a:schemeClr val="accent1">
+            <a:hueOff val="0"/>
+            <a:satOff val="0"/>
+            <a:lumOff val="0"/>
+            <a:alphaOff val="0"/>
+          </a:schemeClr>
+        </a:solidFill>
+        <a:ln w="25400" cap="flat" cmpd="sng" algn="ctr">
+          <a:solidFill>
+            <a:schemeClr val="lt1">
+              <a:hueOff val="0"/>
+              <a:satOff val="0"/>
+              <a:lumOff val="0"/>
+              <a:alphaOff val="0"/>
+            </a:schemeClr>
+          </a:solidFill>
+          <a:prstDash val="solid"/>
+        </a:ln>
+        <a:effectLst/>
+      </dsp:spPr>
+      <dsp:style>
+        <a:lnRef idx="2">
+          <a:scrgbClr r="0" g="0" b="0"/>
+        </a:lnRef>
+        <a:fillRef idx="1">
+          <a:scrgbClr r="0" g="0" b="0"/>
+        </a:fillRef>
+        <a:effectRef idx="0">
+          <a:scrgbClr r="0" g="0" b="0"/>
+        </a:effectRef>
+        <a:fontRef idx="minor">
+          <a:schemeClr val="lt1"/>
+        </a:fontRef>
+      </dsp:style>
+      <dsp:txBody>
+        <a:bodyPr spcFirstLastPara="0" vert="horz" wrap="square" lIns="60960" tIns="60960" rIns="60960" bIns="60960" numCol="1" spcCol="1270" anchor="ctr" anchorCtr="0">
+          <a:noAutofit/>
+        </a:bodyPr>
+        <a:lstStyle/>
+        <a:p>
+          <a:pPr lvl="0" algn="ctr" defTabSz="711200">
+            <a:lnSpc>
+              <a:spcPct val="90000"/>
+            </a:lnSpc>
+            <a:spcBef>
+              <a:spcPct val="0"/>
+            </a:spcBef>
+            <a:spcAft>
+              <a:spcPct val="35000"/>
+            </a:spcAft>
+          </a:pPr>
+          <a:r>
+            <a:rPr lang="sv-SE" sz="1600" kern="1200" dirty="0" smtClean="0"/>
+            <a:t>ASP.NET Membership (2005)</a:t>
+          </a:r>
+          <a:endParaRPr lang="en-GB" sz="1600" kern="1200" dirty="0"/>
+        </a:p>
+      </dsp:txBody>
+      <dsp:txXfrm>
+        <a:off x="34598" y="1182424"/>
+        <a:ext cx="1195594" cy="1019526"/>
+      </dsp:txXfrm>
+    </dsp:sp>
+    <dsp:sp modelId="{391A8D43-E6A1-4850-A09F-0E7F1DE7011B}">
+      <dsp:nvSpPr>
+        <dsp:cNvPr id="0" name=""/>
+        <dsp:cNvSpPr/>
+      </dsp:nvSpPr>
+      <dsp:spPr>
+        <a:xfrm>
+          <a:off x="1387815" y="1536067"/>
+          <a:ext cx="266914" cy="312240"/>
+        </a:xfrm>
+        <a:prstGeom prst="rightArrow">
+          <a:avLst>
+            <a:gd name="adj1" fmla="val 60000"/>
+            <a:gd name="adj2" fmla="val 50000"/>
+          </a:avLst>
+        </a:prstGeom>
+        <a:solidFill>
+          <a:schemeClr val="accent1">
+            <a:tint val="60000"/>
+            <a:hueOff val="0"/>
+            <a:satOff val="0"/>
+            <a:lumOff val="0"/>
+            <a:alphaOff val="0"/>
+          </a:schemeClr>
+        </a:solidFill>
+        <a:ln>
+          <a:noFill/>
+        </a:ln>
+        <a:effectLst/>
+      </dsp:spPr>
+      <dsp:style>
+        <a:lnRef idx="0">
+          <a:scrgbClr r="0" g="0" b="0"/>
+        </a:lnRef>
+        <a:fillRef idx="1">
+          <a:scrgbClr r="0" g="0" b="0"/>
+        </a:fillRef>
+        <a:effectRef idx="0">
+          <a:scrgbClr r="0" g="0" b="0"/>
+        </a:effectRef>
+        <a:fontRef idx="minor">
+          <a:schemeClr val="lt1"/>
+        </a:fontRef>
+      </dsp:style>
+      <dsp:txBody>
+        <a:bodyPr spcFirstLastPara="0" vert="horz" wrap="square" lIns="0" tIns="0" rIns="0" bIns="0" numCol="1" spcCol="1270" anchor="ctr" anchorCtr="0">
+          <a:noAutofit/>
+        </a:bodyPr>
+        <a:lstStyle/>
+        <a:p>
+          <a:pPr lvl="0" algn="ctr" defTabSz="577850">
+            <a:lnSpc>
+              <a:spcPct val="90000"/>
+            </a:lnSpc>
+            <a:spcBef>
+              <a:spcPct val="0"/>
+            </a:spcBef>
+            <a:spcAft>
+              <a:spcPct val="35000"/>
+            </a:spcAft>
+          </a:pPr>
+          <a:endParaRPr lang="en-GB" sz="1300" kern="1200"/>
+        </a:p>
+      </dsp:txBody>
+      <dsp:txXfrm>
+        <a:off x="1387815" y="1598515"/>
+        <a:ext cx="186840" cy="187344"/>
+      </dsp:txXfrm>
+    </dsp:sp>
+    <dsp:sp modelId="{6F616B3C-970A-45F0-9F45-1938F827806B}">
+      <dsp:nvSpPr>
+        <dsp:cNvPr id="0" name=""/>
+        <dsp:cNvSpPr/>
+      </dsp:nvSpPr>
+      <dsp:spPr>
+        <a:xfrm>
+          <a:off x="1765525" y="1150705"/>
+          <a:ext cx="1259032" cy="1082964"/>
+        </a:xfrm>
+        <a:prstGeom prst="roundRect">
+          <a:avLst>
+            <a:gd name="adj" fmla="val 10000"/>
+          </a:avLst>
+        </a:prstGeom>
+        <a:solidFill>
+          <a:schemeClr val="accent1">
+            <a:hueOff val="0"/>
+            <a:satOff val="0"/>
+            <a:lumOff val="0"/>
+            <a:alphaOff val="0"/>
+          </a:schemeClr>
+        </a:solidFill>
+        <a:ln w="25400" cap="flat" cmpd="sng" algn="ctr">
+          <a:solidFill>
+            <a:schemeClr val="lt1">
+              <a:hueOff val="0"/>
+              <a:satOff val="0"/>
+              <a:lumOff val="0"/>
+              <a:alphaOff val="0"/>
+            </a:schemeClr>
+          </a:solidFill>
+          <a:prstDash val="solid"/>
+        </a:ln>
+        <a:effectLst/>
+      </dsp:spPr>
+      <dsp:style>
+        <a:lnRef idx="2">
+          <a:scrgbClr r="0" g="0" b="0"/>
+        </a:lnRef>
+        <a:fillRef idx="1">
+          <a:scrgbClr r="0" g="0" b="0"/>
+        </a:fillRef>
+        <a:effectRef idx="0">
+          <a:scrgbClr r="0" g="0" b="0"/>
+        </a:effectRef>
+        <a:fontRef idx="minor">
+          <a:schemeClr val="lt1"/>
+        </a:fontRef>
+      </dsp:style>
+      <dsp:txBody>
+        <a:bodyPr spcFirstLastPara="0" vert="horz" wrap="square" lIns="60960" tIns="60960" rIns="60960" bIns="60960" numCol="1" spcCol="1270" anchor="ctr" anchorCtr="0">
+          <a:noAutofit/>
+        </a:bodyPr>
+        <a:lstStyle/>
+        <a:p>
+          <a:pPr lvl="0" algn="ctr" defTabSz="711200">
+            <a:lnSpc>
+              <a:spcPct val="90000"/>
+            </a:lnSpc>
+            <a:spcBef>
+              <a:spcPct val="0"/>
+            </a:spcBef>
+            <a:spcAft>
+              <a:spcPct val="35000"/>
+            </a:spcAft>
+          </a:pPr>
+          <a:r>
+            <a:rPr lang="sv-SE" sz="1600" kern="1200" dirty="0" smtClean="0"/>
+            <a:t>ASP.NET Simple Membership (2010)</a:t>
+          </a:r>
+          <a:endParaRPr lang="en-GB" sz="1600" kern="1200" dirty="0"/>
+        </a:p>
+      </dsp:txBody>
+      <dsp:txXfrm>
+        <a:off x="1797244" y="1182424"/>
+        <a:ext cx="1195594" cy="1019526"/>
+      </dsp:txXfrm>
+    </dsp:sp>
+    <dsp:sp modelId="{384C819D-8603-41A2-A152-FAF56755E81F}">
+      <dsp:nvSpPr>
+        <dsp:cNvPr id="0" name=""/>
+        <dsp:cNvSpPr/>
+      </dsp:nvSpPr>
+      <dsp:spPr>
+        <a:xfrm>
+          <a:off x="3150460" y="1536067"/>
+          <a:ext cx="266914" cy="312240"/>
+        </a:xfrm>
+        <a:prstGeom prst="rightArrow">
+          <a:avLst>
+            <a:gd name="adj1" fmla="val 60000"/>
+            <a:gd name="adj2" fmla="val 50000"/>
+          </a:avLst>
+        </a:prstGeom>
+        <a:solidFill>
+          <a:schemeClr val="accent1">
+            <a:tint val="60000"/>
+            <a:hueOff val="0"/>
+            <a:satOff val="0"/>
+            <a:lumOff val="0"/>
+            <a:alphaOff val="0"/>
+          </a:schemeClr>
+        </a:solidFill>
+        <a:ln>
+          <a:noFill/>
+        </a:ln>
+        <a:effectLst/>
+      </dsp:spPr>
+      <dsp:style>
+        <a:lnRef idx="0">
+          <a:scrgbClr r="0" g="0" b="0"/>
+        </a:lnRef>
+        <a:fillRef idx="1">
+          <a:scrgbClr r="0" g="0" b="0"/>
+        </a:fillRef>
+        <a:effectRef idx="0">
+          <a:scrgbClr r="0" g="0" b="0"/>
+        </a:effectRef>
+        <a:fontRef idx="minor">
+          <a:schemeClr val="lt1"/>
+        </a:fontRef>
+      </dsp:style>
+      <dsp:txBody>
+        <a:bodyPr spcFirstLastPara="0" vert="horz" wrap="square" lIns="0" tIns="0" rIns="0" bIns="0" numCol="1" spcCol="1270" anchor="ctr" anchorCtr="0">
+          <a:noAutofit/>
+        </a:bodyPr>
+        <a:lstStyle/>
+        <a:p>
+          <a:pPr lvl="0" algn="ctr" defTabSz="577850">
+            <a:lnSpc>
+              <a:spcPct val="90000"/>
+            </a:lnSpc>
+            <a:spcBef>
+              <a:spcPct val="0"/>
+            </a:spcBef>
+            <a:spcAft>
+              <a:spcPct val="35000"/>
+            </a:spcAft>
+          </a:pPr>
+          <a:endParaRPr lang="en-GB" sz="1300" kern="1200"/>
+        </a:p>
+      </dsp:txBody>
+      <dsp:txXfrm>
+        <a:off x="3150460" y="1598515"/>
+        <a:ext cx="186840" cy="187344"/>
+      </dsp:txXfrm>
+    </dsp:sp>
+    <dsp:sp modelId="{AB766A71-B336-464B-9348-3E68D43338B8}">
+      <dsp:nvSpPr>
+        <dsp:cNvPr id="0" name=""/>
+        <dsp:cNvSpPr/>
+      </dsp:nvSpPr>
+      <dsp:spPr>
+        <a:xfrm>
+          <a:off x="3528170" y="1150705"/>
+          <a:ext cx="1259032" cy="1082964"/>
+        </a:xfrm>
+        <a:prstGeom prst="roundRect">
+          <a:avLst>
+            <a:gd name="adj" fmla="val 10000"/>
+          </a:avLst>
+        </a:prstGeom>
+        <a:solidFill>
+          <a:schemeClr val="accent1">
+            <a:hueOff val="0"/>
+            <a:satOff val="0"/>
+            <a:lumOff val="0"/>
+            <a:alphaOff val="0"/>
+          </a:schemeClr>
+        </a:solidFill>
+        <a:ln w="25400" cap="flat" cmpd="sng" algn="ctr">
+          <a:solidFill>
+            <a:schemeClr val="lt1">
+              <a:hueOff val="0"/>
+              <a:satOff val="0"/>
+              <a:lumOff val="0"/>
+              <a:alphaOff val="0"/>
+            </a:schemeClr>
+          </a:solidFill>
+          <a:prstDash val="solid"/>
+        </a:ln>
+        <a:effectLst/>
+      </dsp:spPr>
+      <dsp:style>
+        <a:lnRef idx="2">
+          <a:scrgbClr r="0" g="0" b="0"/>
+        </a:lnRef>
+        <a:fillRef idx="1">
+          <a:scrgbClr r="0" g="0" b="0"/>
+        </a:fillRef>
+        <a:effectRef idx="0">
+          <a:scrgbClr r="0" g="0" b="0"/>
+        </a:effectRef>
+        <a:fontRef idx="minor">
+          <a:schemeClr val="lt1"/>
+        </a:fontRef>
+      </dsp:style>
+      <dsp:txBody>
+        <a:bodyPr spcFirstLastPara="0" vert="horz" wrap="square" lIns="60960" tIns="60960" rIns="60960" bIns="60960" numCol="1" spcCol="1270" anchor="ctr" anchorCtr="0">
+          <a:noAutofit/>
+        </a:bodyPr>
+        <a:lstStyle/>
+        <a:p>
+          <a:pPr lvl="0" algn="ctr" defTabSz="711200">
+            <a:lnSpc>
+              <a:spcPct val="90000"/>
+            </a:lnSpc>
+            <a:spcBef>
+              <a:spcPct val="0"/>
+            </a:spcBef>
+            <a:spcAft>
+              <a:spcPct val="35000"/>
+            </a:spcAft>
+          </a:pPr>
+          <a:r>
+            <a:rPr lang="sv-SE" sz="1600" kern="1200" dirty="0" smtClean="0"/>
+            <a:t>ASP.NET Identity 1.0 (2013)</a:t>
+          </a:r>
+          <a:endParaRPr lang="en-GB" sz="1600" kern="1200" dirty="0"/>
+        </a:p>
+      </dsp:txBody>
+      <dsp:txXfrm>
+        <a:off x="3559889" y="1182424"/>
+        <a:ext cx="1195594" cy="1019526"/>
+      </dsp:txXfrm>
+    </dsp:sp>
+    <dsp:sp modelId="{27653AE1-388A-4007-9638-4A076C3506A5}">
+      <dsp:nvSpPr>
+        <dsp:cNvPr id="0" name=""/>
+        <dsp:cNvSpPr/>
+      </dsp:nvSpPr>
+      <dsp:spPr>
+        <a:xfrm>
+          <a:off x="4913106" y="1536067"/>
+          <a:ext cx="266914" cy="312240"/>
+        </a:xfrm>
+        <a:prstGeom prst="rightArrow">
+          <a:avLst>
+            <a:gd name="adj1" fmla="val 60000"/>
+            <a:gd name="adj2" fmla="val 50000"/>
+          </a:avLst>
+        </a:prstGeom>
+        <a:solidFill>
+          <a:schemeClr val="accent1">
+            <a:tint val="60000"/>
+            <a:hueOff val="0"/>
+            <a:satOff val="0"/>
+            <a:lumOff val="0"/>
+            <a:alphaOff val="0"/>
+          </a:schemeClr>
+        </a:solidFill>
+        <a:ln>
+          <a:noFill/>
+        </a:ln>
+        <a:effectLst/>
+      </dsp:spPr>
+      <dsp:style>
+        <a:lnRef idx="0">
+          <a:scrgbClr r="0" g="0" b="0"/>
+        </a:lnRef>
+        <a:fillRef idx="1">
+          <a:scrgbClr r="0" g="0" b="0"/>
+        </a:fillRef>
+        <a:effectRef idx="0">
+          <a:scrgbClr r="0" g="0" b="0"/>
+        </a:effectRef>
+        <a:fontRef idx="minor">
+          <a:schemeClr val="lt1"/>
+        </a:fontRef>
+      </dsp:style>
+      <dsp:txBody>
+        <a:bodyPr spcFirstLastPara="0" vert="horz" wrap="square" lIns="0" tIns="0" rIns="0" bIns="0" numCol="1" spcCol="1270" anchor="ctr" anchorCtr="0">
+          <a:noAutofit/>
+        </a:bodyPr>
+        <a:lstStyle/>
+        <a:p>
+          <a:pPr lvl="0" algn="ctr" defTabSz="577850">
+            <a:lnSpc>
+              <a:spcPct val="90000"/>
+            </a:lnSpc>
+            <a:spcBef>
+              <a:spcPct val="0"/>
+            </a:spcBef>
+            <a:spcAft>
+              <a:spcPct val="35000"/>
+            </a:spcAft>
+          </a:pPr>
+          <a:endParaRPr lang="en-GB" sz="1300" kern="1200"/>
+        </a:p>
+      </dsp:txBody>
+      <dsp:txXfrm>
+        <a:off x="4913106" y="1598515"/>
+        <a:ext cx="186840" cy="187344"/>
+      </dsp:txXfrm>
+    </dsp:sp>
+    <dsp:sp modelId="{7BF5C6B5-563D-4A44-A7F4-BEEDF57FAE9A}">
+      <dsp:nvSpPr>
+        <dsp:cNvPr id="0" name=""/>
+        <dsp:cNvSpPr/>
+      </dsp:nvSpPr>
+      <dsp:spPr>
+        <a:xfrm>
+          <a:off x="5290815" y="1150705"/>
+          <a:ext cx="1259032" cy="1082964"/>
+        </a:xfrm>
+        <a:prstGeom prst="roundRect">
+          <a:avLst>
+            <a:gd name="adj" fmla="val 10000"/>
+          </a:avLst>
+        </a:prstGeom>
+        <a:solidFill>
+          <a:schemeClr val="accent1">
+            <a:hueOff val="0"/>
+            <a:satOff val="0"/>
+            <a:lumOff val="0"/>
+            <a:alphaOff val="0"/>
+          </a:schemeClr>
+        </a:solidFill>
+        <a:ln w="25400" cap="flat" cmpd="sng" algn="ctr">
+          <a:solidFill>
+            <a:schemeClr val="lt1">
+              <a:hueOff val="0"/>
+              <a:satOff val="0"/>
+              <a:lumOff val="0"/>
+              <a:alphaOff val="0"/>
+            </a:schemeClr>
+          </a:solidFill>
+          <a:prstDash val="solid"/>
+        </a:ln>
+        <a:effectLst/>
+      </dsp:spPr>
+      <dsp:style>
+        <a:lnRef idx="2">
+          <a:scrgbClr r="0" g="0" b="0"/>
+        </a:lnRef>
+        <a:fillRef idx="1">
+          <a:scrgbClr r="0" g="0" b="0"/>
+        </a:fillRef>
+        <a:effectRef idx="0">
+          <a:scrgbClr r="0" g="0" b="0"/>
+        </a:effectRef>
+        <a:fontRef idx="minor">
+          <a:schemeClr val="lt1"/>
+        </a:fontRef>
+      </dsp:style>
+      <dsp:txBody>
+        <a:bodyPr spcFirstLastPara="0" vert="horz" wrap="square" lIns="60960" tIns="60960" rIns="60960" bIns="60960" numCol="1" spcCol="1270" anchor="ctr" anchorCtr="0">
+          <a:noAutofit/>
+        </a:bodyPr>
+        <a:lstStyle/>
+        <a:p>
+          <a:pPr lvl="0" algn="ctr" defTabSz="711200">
+            <a:lnSpc>
+              <a:spcPct val="90000"/>
+            </a:lnSpc>
+            <a:spcBef>
+              <a:spcPct val="0"/>
+            </a:spcBef>
+            <a:spcAft>
+              <a:spcPct val="35000"/>
+            </a:spcAft>
+          </a:pPr>
+          <a:r>
+            <a:rPr lang="sv-SE" sz="1600" kern="1200" dirty="0" smtClean="0"/>
+            <a:t>ASP.NET Identity 2.0 (2014)</a:t>
+          </a:r>
+          <a:endParaRPr lang="en-GB" sz="1600" kern="1200" dirty="0"/>
+        </a:p>
+      </dsp:txBody>
+      <dsp:txXfrm>
+        <a:off x="5322534" y="1182424"/>
+        <a:ext cx="1195594" cy="1019526"/>
+      </dsp:txXfrm>
+    </dsp:sp>
   </dsp:spTree>
 </dsp:drawing>
 </file>
@@ -2512,7 +3036,7 @@
           <a:p>
             <a:fld id="{B5922E6D-3451-482A-A64F-C89F139BA51A}" type="datetimeFigureOut">
               <a:rPr lang="en-US" smtClean="0"/>
-              <a:t>11/25/2014</a:t>
+              <a:t>11/26/2014</a:t>
             </a:fld>
             <a:endParaRPr lang="en-US"/>
           </a:p>
@@ -2677,7 +3201,7 @@
           <a:p>
             <a:fld id="{05247E74-41DE-40FA-A7A7-A655366ADCFA}" type="datetimeFigureOut">
               <a:rPr lang="sv-SE" smtClean="0"/>
-              <a:t>2014-11-25</a:t>
+              <a:t>2014-11-26</a:t>
             </a:fld>
             <a:endParaRPr lang="sv-SE"/>
           </a:p>
@@ -3094,7 +3618,7 @@
           <a:p>
             <a:fld id="{9C98CF53-5E26-4422-B9D8-E9A5474C1FAF}" type="slidenum">
               <a:rPr lang="sv-SE" smtClean="0"/>
-              <a:t>9</a:t>
+              <a:t>10</a:t>
             </a:fld>
             <a:endParaRPr lang="sv-SE"/>
           </a:p>
@@ -3178,7 +3702,7 @@
           <a:p>
             <a:fld id="{9C98CF53-5E26-4422-B9D8-E9A5474C1FAF}" type="slidenum">
               <a:rPr lang="sv-SE" smtClean="0"/>
-              <a:t>10</a:t>
+              <a:t>11</a:t>
             </a:fld>
             <a:endParaRPr lang="sv-SE"/>
           </a:p>
@@ -3270,7 +3794,7 @@
           <a:p>
             <a:fld id="{9C98CF53-5E26-4422-B9D8-E9A5474C1FAF}" type="slidenum">
               <a:rPr lang="sv-SE" smtClean="0"/>
-              <a:t>11</a:t>
+              <a:t>12</a:t>
             </a:fld>
             <a:endParaRPr lang="sv-SE"/>
           </a:p>
@@ -3354,7 +3878,7 @@
           <a:p>
             <a:fld id="{9C98CF53-5E26-4422-B9D8-E9A5474C1FAF}" type="slidenum">
               <a:rPr lang="sv-SE" smtClean="0"/>
-              <a:t>14</a:t>
+              <a:t>15</a:t>
             </a:fld>
             <a:endParaRPr lang="sv-SE"/>
           </a:p>
@@ -3438,7 +3962,7 @@
           <a:p>
             <a:fld id="{9C98CF53-5E26-4422-B9D8-E9A5474C1FAF}" type="slidenum">
               <a:rPr lang="sv-SE" smtClean="0"/>
-              <a:t>16</a:t>
+              <a:t>17</a:t>
             </a:fld>
             <a:endParaRPr lang="sv-SE"/>
           </a:p>
@@ -3653,7 +4177,7 @@
           <a:p>
             <a:fld id="{DB41BBF1-8D56-4061-8DE2-461FDAC177EF}" type="datetimeFigureOut">
               <a:rPr lang="sv-SE" smtClean="0"/>
-              <a:t>2014-11-25</a:t>
+              <a:t>2014-11-26</a:t>
             </a:fld>
             <a:endParaRPr lang="sv-SE"/>
           </a:p>
@@ -3917,7 +4441,7 @@
           <a:p>
             <a:fld id="{DB41BBF1-8D56-4061-8DE2-461FDAC177EF}" type="datetimeFigureOut">
               <a:rPr lang="sv-SE" smtClean="0"/>
-              <a:t>2014-11-25</a:t>
+              <a:t>2014-11-26</a:t>
             </a:fld>
             <a:endParaRPr lang="sv-SE"/>
           </a:p>
@@ -4094,7 +4618,7 @@
           <a:p>
             <a:fld id="{DB41BBF1-8D56-4061-8DE2-461FDAC177EF}" type="datetimeFigureOut">
               <a:rPr lang="sv-SE" smtClean="0"/>
-              <a:t>2014-11-25</a:t>
+              <a:t>2014-11-26</a:t>
             </a:fld>
             <a:endParaRPr lang="sv-SE"/>
           </a:p>
@@ -4281,7 +4805,7 @@
           <a:p>
             <a:fld id="{DB41BBF1-8D56-4061-8DE2-461FDAC177EF}" type="datetimeFigureOut">
               <a:rPr lang="sv-SE" smtClean="0"/>
-              <a:t>2014-11-25</a:t>
+              <a:t>2014-11-26</a:t>
             </a:fld>
             <a:endParaRPr lang="sv-SE"/>
           </a:p>
@@ -4545,7 +5069,7 @@
           <a:p>
             <a:fld id="{DB41BBF1-8D56-4061-8DE2-461FDAC177EF}" type="datetimeFigureOut">
               <a:rPr lang="sv-SE" smtClean="0"/>
-              <a:t>2014-11-25</a:t>
+              <a:t>2014-11-26</a:t>
             </a:fld>
             <a:endParaRPr lang="sv-SE"/>
           </a:p>
@@ -4722,7 +5246,7 @@
           <a:p>
             <a:fld id="{DB41BBF1-8D56-4061-8DE2-461FDAC177EF}" type="datetimeFigureOut">
               <a:rPr lang="sv-SE" smtClean="0"/>
-              <a:t>2014-11-25</a:t>
+              <a:t>2014-11-26</a:t>
             </a:fld>
             <a:endParaRPr lang="sv-SE"/>
           </a:p>
@@ -4975,7 +5499,7 @@
           <a:p>
             <a:fld id="{DB41BBF1-8D56-4061-8DE2-461FDAC177EF}" type="datetimeFigureOut">
               <a:rPr lang="sv-SE" smtClean="0"/>
-              <a:t>2014-11-25</a:t>
+              <a:t>2014-11-26</a:t>
             </a:fld>
             <a:endParaRPr lang="sv-SE"/>
           </a:p>
@@ -5270,7 +5794,7 @@
           <a:p>
             <a:fld id="{DB41BBF1-8D56-4061-8DE2-461FDAC177EF}" type="datetimeFigureOut">
               <a:rPr lang="sv-SE" smtClean="0"/>
-              <a:t>2014-11-25</a:t>
+              <a:t>2014-11-26</a:t>
             </a:fld>
             <a:endParaRPr lang="sv-SE"/>
           </a:p>
@@ -5699,7 +6223,7 @@
           <a:p>
             <a:fld id="{DB41BBF1-8D56-4061-8DE2-461FDAC177EF}" type="datetimeFigureOut">
               <a:rPr lang="sv-SE" smtClean="0"/>
-              <a:t>2014-11-25</a:t>
+              <a:t>2014-11-26</a:t>
             </a:fld>
             <a:endParaRPr lang="sv-SE"/>
           </a:p>
@@ -5824,7 +6348,7 @@
           <a:p>
             <a:fld id="{DB41BBF1-8D56-4061-8DE2-461FDAC177EF}" type="datetimeFigureOut">
               <a:rPr lang="sv-SE" smtClean="0"/>
-              <a:t>2014-11-25</a:t>
+              <a:t>2014-11-26</a:t>
             </a:fld>
             <a:endParaRPr lang="sv-SE"/>
           </a:p>
@@ -5926,7 +6450,7 @@
           <a:p>
             <a:fld id="{DB41BBF1-8D56-4061-8DE2-461FDAC177EF}" type="datetimeFigureOut">
               <a:rPr lang="sv-SE" smtClean="0"/>
-              <a:t>2014-11-25</a:t>
+              <a:t>2014-11-26</a:t>
             </a:fld>
             <a:endParaRPr lang="sv-SE"/>
           </a:p>
@@ -6210,7 +6734,7 @@
           <a:p>
             <a:fld id="{DB41BBF1-8D56-4061-8DE2-461FDAC177EF}" type="datetimeFigureOut">
               <a:rPr lang="sv-SE" smtClean="0"/>
-              <a:t>2014-11-25</a:t>
+              <a:t>2014-11-26</a:t>
             </a:fld>
             <a:endParaRPr lang="sv-SE"/>
           </a:p>
@@ -6438,7 +6962,7 @@
           <a:p>
             <a:fld id="{DB41BBF1-8D56-4061-8DE2-461FDAC177EF}" type="datetimeFigureOut">
               <a:rPr lang="sv-SE" smtClean="0"/>
-              <a:t>2014-11-25</a:t>
+              <a:t>2014-11-26</a:t>
             </a:fld>
             <a:endParaRPr lang="sv-SE"/>
           </a:p>
@@ -6982,6 +7506,119 @@
 </file>
 
 <file path=ppt/slides/slide10.xml><?xml version="1.0" encoding="utf-8"?>
+<p:sld xmlns:a="http://schemas.openxmlformats.org/drawingml/2006/main" xmlns:r="http://schemas.openxmlformats.org/officeDocument/2006/relationships" xmlns:p="http://schemas.openxmlformats.org/presentationml/2006/main" show="0">
+  <p:cSld>
+    <p:spTree>
+      <p:nvGrpSpPr>
+        <p:cNvPr id="1" name=""/>
+        <p:cNvGrpSpPr/>
+        <p:nvPr/>
+      </p:nvGrpSpPr>
+      <p:grpSpPr>
+        <a:xfrm>
+          <a:off x="0" y="0"/>
+          <a:ext cx="0" cy="0"/>
+          <a:chOff x="0" y="0"/>
+          <a:chExt cx="0" cy="0"/>
+        </a:xfrm>
+      </p:grpSpPr>
+      <p:sp>
+        <p:nvSpPr>
+          <p:cNvPr id="2" name="Rubrik 1"/>
+          <p:cNvSpPr>
+            <a:spLocks noGrp="1"/>
+          </p:cNvSpPr>
+          <p:nvPr>
+            <p:ph type="title"/>
+          </p:nvPr>
+        </p:nvSpPr>
+        <p:spPr/>
+        <p:txBody>
+          <a:bodyPr/>
+          <a:lstStyle/>
+          <a:p>
+            <a:r>
+              <a:rPr lang="sv-SE" dirty="0" smtClean="0"/>
+              <a:t>Why ASP.NET Identity</a:t>
+            </a:r>
+            <a:endParaRPr lang="en-GB" dirty="0"/>
+          </a:p>
+        </p:txBody>
+      </p:sp>
+      <p:sp>
+        <p:nvSpPr>
+          <p:cNvPr id="3" name="Platshållare för innehåll 2"/>
+          <p:cNvSpPr>
+            <a:spLocks noGrp="1"/>
+          </p:cNvSpPr>
+          <p:nvPr>
+            <p:ph idx="1"/>
+          </p:nvPr>
+        </p:nvSpPr>
+        <p:spPr/>
+        <p:txBody>
+          <a:bodyPr>
+            <a:normAutofit/>
+          </a:bodyPr>
+          <a:lstStyle/>
+          <a:p>
+            <a:pPr marL="0" lvl="0" indent="0">
+              <a:buNone/>
+            </a:pPr>
+            <a:r>
+              <a:rPr lang="en-GB" sz="3200" b="1" dirty="0" smtClean="0">
+                <a:solidFill>
+                  <a:srgbClr val="77933C"/>
+                </a:solidFill>
+              </a:rPr>
+              <a:t>Identity is integrated into the OWIN pipeline</a:t>
+            </a:r>
+          </a:p>
+          <a:p>
+            <a:pPr marL="0" lvl="0" indent="0">
+              <a:buNone/>
+            </a:pPr>
+            <a:endParaRPr lang="en-US" sz="3200" dirty="0" smtClean="0"/>
+          </a:p>
+          <a:p>
+            <a:pPr marL="0" lvl="0" indent="0">
+              <a:buNone/>
+            </a:pPr>
+            <a:r>
+              <a:rPr lang="en-US" sz="3200" dirty="0" smtClean="0"/>
+              <a:t>OWIN decouples the communication between your application and the server/database</a:t>
+            </a:r>
+          </a:p>
+          <a:p>
+            <a:pPr marL="0" lvl="0" indent="0">
+              <a:buNone/>
+            </a:pPr>
+            <a:endParaRPr lang="sv-SE" sz="3200" dirty="0" smtClean="0"/>
+          </a:p>
+        </p:txBody>
+      </p:sp>
+    </p:spTree>
+    <p:extLst>
+      <p:ext uri="{BB962C8B-B14F-4D97-AF65-F5344CB8AC3E}">
+        <p14:creationId xmlns:p14="http://schemas.microsoft.com/office/powerpoint/2010/main" val="1630913998"/>
+      </p:ext>
+    </p:extLst>
+  </p:cSld>
+  <p:clrMapOvr>
+    <a:masterClrMapping/>
+  </p:clrMapOvr>
+  <mc:AlternateContent xmlns:mc="http://schemas.openxmlformats.org/markup-compatibility/2006" xmlns:p14="http://schemas.microsoft.com/office/powerpoint/2010/main">
+    <mc:Choice Requires="p14">
+      <p:transition spd="slow" p14:dur="2000"/>
+    </mc:Choice>
+    <mc:Fallback xmlns="">
+      <p:transition spd="slow"/>
+    </mc:Fallback>
+  </mc:AlternateContent>
+</p:sld>
+</file>
+
+<file path=ppt/slides/slide11.xml><?xml version="1.0" encoding="utf-8"?>
 <p:sld xmlns:a="http://schemas.openxmlformats.org/drawingml/2006/main" xmlns:r="http://schemas.openxmlformats.org/officeDocument/2006/relationships" xmlns:p="http://schemas.openxmlformats.org/presentationml/2006/main">
   <p:cSld>
     <p:spTree>
@@ -7104,7 +7741,7 @@
 </p:sld>
 </file>
 
-<file path=ppt/slides/slide11.xml><?xml version="1.0" encoding="utf-8"?>
+<file path=ppt/slides/slide12.xml><?xml version="1.0" encoding="utf-8"?>
 <p:sld xmlns:a="http://schemas.openxmlformats.org/drawingml/2006/main" xmlns:r="http://schemas.openxmlformats.org/officeDocument/2006/relationships" xmlns:p="http://schemas.openxmlformats.org/presentationml/2006/main" show="0">
   <p:cSld>
     <p:spTree>
@@ -7358,144 +7995,6 @@
 </p:sld>
 </file>
 
-<file path=ppt/slides/slide12.xml><?xml version="1.0" encoding="utf-8"?>
-<p:sld xmlns:a="http://schemas.openxmlformats.org/drawingml/2006/main" xmlns:r="http://schemas.openxmlformats.org/officeDocument/2006/relationships" xmlns:p="http://schemas.openxmlformats.org/presentationml/2006/main">
-  <p:cSld>
-    <p:spTree>
-      <p:nvGrpSpPr>
-        <p:cNvPr id="1" name=""/>
-        <p:cNvGrpSpPr/>
-        <p:nvPr/>
-      </p:nvGrpSpPr>
-      <p:grpSpPr>
-        <a:xfrm>
-          <a:off x="0" y="0"/>
-          <a:ext cx="0" cy="0"/>
-          <a:chOff x="0" y="0"/>
-          <a:chExt cx="0" cy="0"/>
-        </a:xfrm>
-      </p:grpSpPr>
-      <p:sp>
-        <p:nvSpPr>
-          <p:cNvPr id="2" name="Rubrik 1"/>
-          <p:cNvSpPr>
-            <a:spLocks noGrp="1"/>
-          </p:cNvSpPr>
-          <p:nvPr>
-            <p:ph type="title"/>
-          </p:nvPr>
-        </p:nvSpPr>
-        <p:spPr/>
-        <p:txBody>
-          <a:bodyPr/>
-          <a:lstStyle/>
-          <a:p>
-            <a:r>
-              <a:rPr lang="sv-SE" dirty="0" smtClean="0"/>
-              <a:t>Why ASP.NET Identity?</a:t>
-            </a:r>
-            <a:endParaRPr lang="en-GB" dirty="0"/>
-          </a:p>
-        </p:txBody>
-      </p:sp>
-      <p:sp>
-        <p:nvSpPr>
-          <p:cNvPr id="3" name="Platshållare för innehåll 2"/>
-          <p:cNvSpPr>
-            <a:spLocks noGrp="1"/>
-          </p:cNvSpPr>
-          <p:nvPr>
-            <p:ph idx="1"/>
-          </p:nvPr>
-        </p:nvSpPr>
-        <p:spPr>
-          <a:xfrm>
-            <a:off x="179511" y="1124744"/>
-            <a:ext cx="8784977" cy="4525963"/>
-          </a:xfrm>
-        </p:spPr>
-        <p:txBody>
-          <a:bodyPr>
-            <a:normAutofit/>
-          </a:bodyPr>
-          <a:lstStyle/>
-          <a:p>
-            <a:pPr marL="0" lvl="0" indent="0">
-              <a:buNone/>
-            </a:pPr>
-            <a:r>
-              <a:rPr lang="en-US" sz="3200" dirty="0" smtClean="0"/>
-              <a:t>When should I use ASP.NET Identity?</a:t>
-            </a:r>
-          </a:p>
-          <a:p>
-            <a:pPr marL="0" lvl="0" indent="0">
-              <a:buNone/>
-            </a:pPr>
-            <a:endParaRPr lang="en-US" sz="3200" dirty="0"/>
-          </a:p>
-          <a:p>
-            <a:r>
-              <a:rPr lang="en-US" dirty="0"/>
-              <a:t>E</a:t>
-            </a:r>
-            <a:r>
-              <a:rPr lang="en-US" dirty="0" smtClean="0"/>
-              <a:t>xternal identities</a:t>
-            </a:r>
-          </a:p>
-          <a:p>
-            <a:r>
-              <a:rPr lang="en-US" dirty="0" smtClean="0"/>
-              <a:t>Delegated user authentication</a:t>
-            </a:r>
-          </a:p>
-          <a:p>
-            <a:r>
-              <a:rPr lang="en-US" dirty="0" smtClean="0"/>
-              <a:t>Supports Claims</a:t>
-            </a:r>
-          </a:p>
-          <a:p>
-            <a:r>
-              <a:rPr lang="en-US" dirty="0" smtClean="0"/>
-              <a:t>Modern security practices</a:t>
-            </a:r>
-          </a:p>
-          <a:p>
-            <a:r>
-              <a:rPr lang="en-US" dirty="0" smtClean="0"/>
-              <a:t>Cleaner architecture</a:t>
-            </a:r>
-          </a:p>
-          <a:p>
-            <a:r>
-              <a:rPr lang="en-US" dirty="0" smtClean="0"/>
-              <a:t>Alternative databases</a:t>
-            </a:r>
-          </a:p>
-        </p:txBody>
-      </p:sp>
-    </p:spTree>
-    <p:extLst>
-      <p:ext uri="{BB962C8B-B14F-4D97-AF65-F5344CB8AC3E}">
-        <p14:creationId xmlns:p14="http://schemas.microsoft.com/office/powerpoint/2010/main" val="1288704473"/>
-      </p:ext>
-    </p:extLst>
-  </p:cSld>
-  <p:clrMapOvr>
-    <a:masterClrMapping/>
-  </p:clrMapOvr>
-  <p:timing>
-    <p:tnLst>
-      <p:par>
-        <p:cTn id="1" dur="indefinite" restart="never" nodeType="tmRoot"/>
-      </p:par>
-    </p:tnLst>
-  </p:timing>
-</p:sld>
-</file>
-
 <file path=ppt/slides/slide13.xml><?xml version="1.0" encoding="utf-8"?>
 <p:sld xmlns:a="http://schemas.openxmlformats.org/drawingml/2006/main" xmlns:r="http://schemas.openxmlformats.org/officeDocument/2006/relationships" xmlns:p="http://schemas.openxmlformats.org/presentationml/2006/main">
   <p:cSld>
@@ -7515,12 +8014,12 @@
       </p:grpSpPr>
       <p:sp>
         <p:nvSpPr>
-          <p:cNvPr id="3" name="Platshållare för innehåll 2"/>
-          <p:cNvSpPr>
-            <a:spLocks noGrp="1"/>
-          </p:cNvSpPr>
-          <p:nvPr>
-            <p:ph idx="1"/>
+          <p:cNvPr id="2" name="Rubrik 1"/>
+          <p:cNvSpPr>
+            <a:spLocks noGrp="1"/>
+          </p:cNvSpPr>
+          <p:nvPr>
+            <p:ph type="title"/>
           </p:nvPr>
         </p:nvSpPr>
         <p:spPr/>
@@ -7528,55 +8027,101 @@
           <a:bodyPr/>
           <a:lstStyle/>
           <a:p>
-            <a:pPr marL="0" indent="0">
+            <a:r>
+              <a:rPr lang="sv-SE" dirty="0" smtClean="0"/>
+              <a:t>Why ASP.NET Identity?</a:t>
+            </a:r>
+            <a:endParaRPr lang="en-GB" dirty="0"/>
+          </a:p>
+        </p:txBody>
+      </p:sp>
+      <p:sp>
+        <p:nvSpPr>
+          <p:cNvPr id="3" name="Platshållare för innehåll 2"/>
+          <p:cNvSpPr>
+            <a:spLocks noGrp="1"/>
+          </p:cNvSpPr>
+          <p:nvPr>
+            <p:ph idx="1"/>
+          </p:nvPr>
+        </p:nvSpPr>
+        <p:spPr>
+          <a:xfrm>
+            <a:off x="179511" y="1124744"/>
+            <a:ext cx="8784977" cy="4525963"/>
+          </a:xfrm>
+        </p:spPr>
+        <p:txBody>
+          <a:bodyPr>
+            <a:normAutofit/>
+          </a:bodyPr>
+          <a:lstStyle/>
+          <a:p>
+            <a:pPr marL="0" lvl="0" indent="0">
               <a:buNone/>
             </a:pPr>
-            <a:endParaRPr lang="sv-SE" dirty="0" smtClean="0"/>
-          </a:p>
-          <a:p>
-            <a:pPr marL="0" indent="0">
+            <a:r>
+              <a:rPr lang="en-US" sz="3200" dirty="0" smtClean="0"/>
+              <a:t>Why </a:t>
+            </a:r>
+            <a:r>
+              <a:rPr lang="en-US" sz="3200" dirty="0" smtClean="0"/>
+              <a:t>should I use ASP.NET Identity?</a:t>
+            </a:r>
+          </a:p>
+          <a:p>
+            <a:pPr marL="0" lvl="0" indent="0">
               <a:buNone/>
             </a:pPr>
-            <a:endParaRPr lang="sv-SE" dirty="0"/>
-          </a:p>
-          <a:p>
-            <a:pPr marL="0" indent="0">
-              <a:buNone/>
-            </a:pPr>
-            <a:endParaRPr lang="sv-SE" dirty="0" smtClean="0"/>
-          </a:p>
-          <a:p>
-            <a:pPr marL="0" indent="0" algn="ctr">
-              <a:buNone/>
-            </a:pPr>
-            <a:r>
-              <a:rPr lang="sv-SE" sz="3200" dirty="0">
-                <a:solidFill>
-                  <a:srgbClr val="77933C"/>
-                </a:solidFill>
-              </a:rPr>
-              <a:t>B</a:t>
-            </a:r>
-            <a:r>
-              <a:rPr lang="sv-SE" sz="3200" dirty="0" smtClean="0">
-                <a:solidFill>
-                  <a:srgbClr val="77933C"/>
-                </a:solidFill>
-              </a:rPr>
-              <a:t>efore ASP.NET Identity</a:t>
-            </a:r>
-            <a:endParaRPr lang="en-GB" sz="3200" dirty="0">
-              <a:solidFill>
-                <a:srgbClr val="77933C"/>
-              </a:solidFill>
-            </a:endParaRPr>
+            <a:endParaRPr lang="en-US" sz="3200" dirty="0"/>
+          </a:p>
+          <a:p>
+            <a:r>
+              <a:rPr lang="en-US" dirty="0"/>
+              <a:t>E</a:t>
+            </a:r>
+            <a:r>
+              <a:rPr lang="en-US" dirty="0" smtClean="0"/>
+              <a:t>xternal identities</a:t>
+            </a:r>
+          </a:p>
+          <a:p>
+            <a:r>
+              <a:rPr lang="en-US" dirty="0" smtClean="0"/>
+              <a:t>Delegated user authentication</a:t>
+            </a:r>
+          </a:p>
+          <a:p>
+            <a:r>
+              <a:rPr lang="en-US" dirty="0" smtClean="0"/>
+              <a:t>Supports Claims</a:t>
+            </a:r>
+          </a:p>
+          <a:p>
+            <a:r>
+              <a:rPr lang="en-US" dirty="0" smtClean="0"/>
+              <a:t>Modern security practices</a:t>
+            </a:r>
+          </a:p>
+          <a:p>
+            <a:r>
+              <a:rPr lang="en-US" dirty="0" smtClean="0"/>
+              <a:t>Cleaner architecture</a:t>
+            </a:r>
+          </a:p>
+          <a:p>
+            <a:r>
+              <a:rPr lang="en-US" dirty="0" smtClean="0"/>
+              <a:t>Works with SQL and alternative databases</a:t>
+            </a:r>
+            <a:endParaRPr lang="en-US" dirty="0" smtClean="0"/>
           </a:p>
         </p:txBody>
       </p:sp>
     </p:spTree>
     <p:extLst>
       <p:ext uri="{BB962C8B-B14F-4D97-AF65-F5344CB8AC3E}">
-        <p14:creationId xmlns:p14="http://schemas.microsoft.com/office/powerpoint/2010/main" val="3053491868"/>
+        <p14:creationId xmlns:p14="http://schemas.microsoft.com/office/powerpoint/2010/main" val="1288704473"/>
       </p:ext>
     </p:extLst>
   </p:cSld>
@@ -7612,6 +8157,103 @@
       </p:grpSpPr>
       <p:sp>
         <p:nvSpPr>
+          <p:cNvPr id="3" name="Platshållare för innehåll 2"/>
+          <p:cNvSpPr>
+            <a:spLocks noGrp="1"/>
+          </p:cNvSpPr>
+          <p:nvPr>
+            <p:ph idx="1"/>
+          </p:nvPr>
+        </p:nvSpPr>
+        <p:spPr/>
+        <p:txBody>
+          <a:bodyPr/>
+          <a:lstStyle/>
+          <a:p>
+            <a:pPr marL="0" indent="0">
+              <a:buNone/>
+            </a:pPr>
+            <a:endParaRPr lang="sv-SE" dirty="0" smtClean="0"/>
+          </a:p>
+          <a:p>
+            <a:pPr marL="0" indent="0">
+              <a:buNone/>
+            </a:pPr>
+            <a:endParaRPr lang="sv-SE" dirty="0"/>
+          </a:p>
+          <a:p>
+            <a:pPr marL="0" indent="0">
+              <a:buNone/>
+            </a:pPr>
+            <a:endParaRPr lang="sv-SE" dirty="0" smtClean="0"/>
+          </a:p>
+          <a:p>
+            <a:pPr marL="0" indent="0" algn="ctr">
+              <a:buNone/>
+            </a:pPr>
+            <a:r>
+              <a:rPr lang="sv-SE" sz="3200" dirty="0">
+                <a:solidFill>
+                  <a:srgbClr val="77933C"/>
+                </a:solidFill>
+              </a:rPr>
+              <a:t>B</a:t>
+            </a:r>
+            <a:r>
+              <a:rPr lang="sv-SE" sz="3200" dirty="0" smtClean="0">
+                <a:solidFill>
+                  <a:srgbClr val="77933C"/>
+                </a:solidFill>
+              </a:rPr>
+              <a:t>efore ASP.NET Identity</a:t>
+            </a:r>
+            <a:endParaRPr lang="en-GB" sz="3200" dirty="0">
+              <a:solidFill>
+                <a:srgbClr val="77933C"/>
+              </a:solidFill>
+            </a:endParaRPr>
+          </a:p>
+        </p:txBody>
+      </p:sp>
+    </p:spTree>
+    <p:extLst>
+      <p:ext uri="{BB962C8B-B14F-4D97-AF65-F5344CB8AC3E}">
+        <p14:creationId xmlns:p14="http://schemas.microsoft.com/office/powerpoint/2010/main" val="3053491868"/>
+      </p:ext>
+    </p:extLst>
+  </p:cSld>
+  <p:clrMapOvr>
+    <a:masterClrMapping/>
+  </p:clrMapOvr>
+  <p:timing>
+    <p:tnLst>
+      <p:par>
+        <p:cTn id="1" dur="indefinite" restart="never" nodeType="tmRoot"/>
+      </p:par>
+    </p:tnLst>
+  </p:timing>
+</p:sld>
+</file>
+
+<file path=ppt/slides/slide15.xml><?xml version="1.0" encoding="utf-8"?>
+<p:sld xmlns:a="http://schemas.openxmlformats.org/drawingml/2006/main" xmlns:r="http://schemas.openxmlformats.org/officeDocument/2006/relationships" xmlns:p="http://schemas.openxmlformats.org/presentationml/2006/main">
+  <p:cSld>
+    <p:spTree>
+      <p:nvGrpSpPr>
+        <p:cNvPr id="1" name=""/>
+        <p:cNvGrpSpPr/>
+        <p:nvPr/>
+      </p:nvGrpSpPr>
+      <p:grpSpPr>
+        <a:xfrm>
+          <a:off x="0" y="0"/>
+          <a:ext cx="0" cy="0"/>
+          <a:chOff x="0" y="0"/>
+          <a:chExt cx="0" cy="0"/>
+        </a:xfrm>
+      </p:grpSpPr>
+      <p:sp>
+        <p:nvSpPr>
           <p:cNvPr id="2" name="Rubrik 1"/>
           <p:cNvSpPr>
             <a:spLocks noGrp="1"/>
@@ -7709,7 +8351,7 @@
 </p:sld>
 </file>
 
-<file path=ppt/slides/slide15.xml><?xml version="1.0" encoding="utf-8"?>
+<file path=ppt/slides/slide16.xml><?xml version="1.0" encoding="utf-8"?>
 <p:sld xmlns:a="http://schemas.openxmlformats.org/drawingml/2006/main" xmlns:r="http://schemas.openxmlformats.org/officeDocument/2006/relationships" xmlns:p="http://schemas.openxmlformats.org/presentationml/2006/main">
   <p:cSld>
     <p:spTree>
@@ -7945,148 +8587,6 @@
 </p:sld>
 </file>
 
-<file path=ppt/slides/slide16.xml><?xml version="1.0" encoding="utf-8"?>
-<p:sld xmlns:a="http://schemas.openxmlformats.org/drawingml/2006/main" xmlns:r="http://schemas.openxmlformats.org/officeDocument/2006/relationships" xmlns:p="http://schemas.openxmlformats.org/presentationml/2006/main">
-  <p:cSld>
-    <p:spTree>
-      <p:nvGrpSpPr>
-        <p:cNvPr id="1" name=""/>
-        <p:cNvGrpSpPr/>
-        <p:nvPr/>
-      </p:nvGrpSpPr>
-      <p:grpSpPr>
-        <a:xfrm>
-          <a:off x="0" y="0"/>
-          <a:ext cx="0" cy="0"/>
-          <a:chOff x="0" y="0"/>
-          <a:chExt cx="0" cy="0"/>
-        </a:xfrm>
-      </p:grpSpPr>
-      <p:sp>
-        <p:nvSpPr>
-          <p:cNvPr id="2" name="Rubrik 1"/>
-          <p:cNvSpPr>
-            <a:spLocks noGrp="1"/>
-          </p:cNvSpPr>
-          <p:nvPr>
-            <p:ph type="title"/>
-          </p:nvPr>
-        </p:nvSpPr>
-        <p:spPr/>
-        <p:txBody>
-          <a:bodyPr/>
-          <a:lstStyle/>
-          <a:p>
-            <a:r>
-              <a:rPr lang="sv-SE" dirty="0"/>
-              <a:t>What was before ASP.NET Identity?</a:t>
-            </a:r>
-            <a:endParaRPr lang="en-GB" dirty="0"/>
-          </a:p>
-        </p:txBody>
-      </p:sp>
-      <p:sp>
-        <p:nvSpPr>
-          <p:cNvPr id="3" name="Platshållare för innehåll 2"/>
-          <p:cNvSpPr>
-            <a:spLocks noGrp="1"/>
-          </p:cNvSpPr>
-          <p:nvPr>
-            <p:ph idx="1"/>
-          </p:nvPr>
-        </p:nvSpPr>
-        <p:spPr/>
-        <p:txBody>
-          <a:bodyPr>
-            <a:normAutofit/>
-          </a:bodyPr>
-          <a:lstStyle/>
-          <a:p>
-            <a:pPr marL="0" indent="0">
-              <a:buNone/>
-            </a:pPr>
-            <a:r>
-              <a:rPr lang="en-US" sz="3200" b="1" dirty="0" smtClean="0">
-                <a:solidFill>
-                  <a:srgbClr val="77933C"/>
-                </a:solidFill>
-              </a:rPr>
-              <a:t>ASP.NET Membership</a:t>
-            </a:r>
-          </a:p>
-          <a:p>
-            <a:pPr marL="0" indent="0">
-              <a:buNone/>
-            </a:pPr>
-            <a:endParaRPr lang="en-US" sz="3200" dirty="0" smtClean="0"/>
-          </a:p>
-          <a:p>
-            <a:r>
-              <a:rPr lang="en-US" sz="2400" dirty="0" smtClean="0"/>
-              <a:t>Forms based authentication</a:t>
-            </a:r>
-          </a:p>
-          <a:p>
-            <a:r>
-              <a:rPr lang="en-US" sz="2400" dirty="0" smtClean="0"/>
-              <a:t>Designed with only SQL servers in mind</a:t>
-            </a:r>
-          </a:p>
-          <a:p>
-            <a:r>
-              <a:rPr lang="en-US" sz="2400" dirty="0" smtClean="0"/>
-              <a:t>No </a:t>
-            </a:r>
-            <a:r>
-              <a:rPr lang="en-US" sz="2400" dirty="0" err="1" smtClean="0"/>
-              <a:t>Owin</a:t>
-            </a:r>
-            <a:r>
-              <a:rPr lang="en-US" sz="2400" dirty="0" smtClean="0"/>
-              <a:t> integration</a:t>
-            </a:r>
-          </a:p>
-          <a:p>
-            <a:r>
-              <a:rPr lang="en-US" sz="2400" dirty="0" smtClean="0"/>
-              <a:t>No social login providers</a:t>
-            </a:r>
-          </a:p>
-          <a:p>
-            <a:r>
-              <a:rPr lang="en-US" sz="2400" dirty="0" smtClean="0"/>
-              <a:t>Difficult to customize user information</a:t>
-            </a:r>
-          </a:p>
-          <a:p>
-            <a:r>
-              <a:rPr lang="en-US" sz="2400" dirty="0" smtClean="0"/>
-              <a:t>Poor architecture</a:t>
-            </a:r>
-            <a:endParaRPr lang="en-US" sz="2400" dirty="0"/>
-          </a:p>
-        </p:txBody>
-      </p:sp>
-    </p:spTree>
-    <p:extLst>
-      <p:ext uri="{BB962C8B-B14F-4D97-AF65-F5344CB8AC3E}">
-        <p14:creationId xmlns:p14="http://schemas.microsoft.com/office/powerpoint/2010/main" val="1268053641"/>
-      </p:ext>
-    </p:extLst>
-  </p:cSld>
-  <p:clrMapOvr>
-    <a:masterClrMapping/>
-  </p:clrMapOvr>
-  <p:timing>
-    <p:tnLst>
-      <p:par>
-        <p:cTn id="1" dur="indefinite" restart="never" nodeType="tmRoot"/>
-      </p:par>
-    </p:tnLst>
-  </p:timing>
-</p:sld>
-</file>
-
 <file path=ppt/slides/slide17.xml><?xml version="1.0" encoding="utf-8"?>
 <p:sld xmlns:a="http://schemas.openxmlformats.org/drawingml/2006/main" xmlns:r="http://schemas.openxmlformats.org/officeDocument/2006/relationships" xmlns:p="http://schemas.openxmlformats.org/presentationml/2006/main">
   <p:cSld>
@@ -8153,7 +8653,7 @@
                   <a:srgbClr val="77933C"/>
                 </a:solidFill>
               </a:rPr>
-              <a:t>ASP.NET Simple Membership</a:t>
+              <a:t>ASP.NET Membership</a:t>
             </a:r>
           </a:p>
           <a:p>
@@ -8165,33 +8665,54 @@
           <a:p>
             <a:r>
               <a:rPr lang="en-US" sz="2400" dirty="0" smtClean="0"/>
-              <a:t>Built upon ASP.NET Membership</a:t>
+              <a:t>Forms based authentication</a:t>
             </a:r>
           </a:p>
           <a:p>
             <a:r>
               <a:rPr lang="en-US" sz="2400" dirty="0" smtClean="0"/>
-              <a:t>Designed for ASP.NET MVC</a:t>
+              <a:t>Designed with only SQL servers in mind</a:t>
             </a:r>
           </a:p>
           <a:p>
             <a:r>
               <a:rPr lang="en-US" sz="2400" dirty="0" smtClean="0"/>
-              <a:t>Supports OAuth / OpenID</a:t>
-            </a:r>
-          </a:p>
-          <a:p>
+              <a:t>No </a:t>
+            </a:r>
+            <a:r>
+              <a:rPr lang="en-US" sz="2400" dirty="0" err="1" smtClean="0"/>
+              <a:t>Owin</a:t>
+            </a:r>
             <a:r>
               <a:rPr lang="en-US" sz="2400" dirty="0" smtClean="0"/>
-              <a:t>Tied to Microsoft databases (SQL)</a:t>
-            </a:r>
+              <a:t> integration</a:t>
+            </a:r>
+          </a:p>
+          <a:p>
+            <a:r>
+              <a:rPr lang="en-US" sz="2400" dirty="0" smtClean="0"/>
+              <a:t>No social login providers</a:t>
+            </a:r>
+          </a:p>
+          <a:p>
+            <a:r>
+              <a:rPr lang="en-US" sz="2400" dirty="0" smtClean="0"/>
+              <a:t>Difficult to customize user information</a:t>
+            </a:r>
+          </a:p>
+          <a:p>
+            <a:r>
+              <a:rPr lang="en-US" sz="2400" dirty="0" smtClean="0"/>
+              <a:t>Poor architecture</a:t>
+            </a:r>
+            <a:endParaRPr lang="en-US" sz="2400" dirty="0"/>
           </a:p>
         </p:txBody>
       </p:sp>
     </p:spTree>
     <p:extLst>
       <p:ext uri="{BB962C8B-B14F-4D97-AF65-F5344CB8AC3E}">
-        <p14:creationId xmlns:p14="http://schemas.microsoft.com/office/powerpoint/2010/main" val="905685807"/>
+        <p14:creationId xmlns:p14="http://schemas.microsoft.com/office/powerpoint/2010/main" val="1268053641"/>
       </p:ext>
     </p:extLst>
   </p:cSld>
@@ -8258,12 +8779,7 @@
             <p:ph idx="1"/>
           </p:nvPr>
         </p:nvSpPr>
-        <p:spPr>
-          <a:xfrm>
-            <a:off x="457200" y="1124744"/>
-            <a:ext cx="8229600" cy="5001419"/>
-          </a:xfrm>
-        </p:spPr>
+        <p:spPr/>
         <p:txBody>
           <a:bodyPr>
             <a:normAutofit/>
@@ -8279,7 +8795,7 @@
                   <a:srgbClr val="77933C"/>
                 </a:solidFill>
               </a:rPr>
-              <a:t>ASP.NET Identity 1.0</a:t>
+              <a:t>ASP.NET Simple Membership</a:t>
             </a:r>
           </a:p>
           <a:p>
@@ -8291,52 +8807,37 @@
           <a:p>
             <a:r>
               <a:rPr lang="en-US" sz="2400" dirty="0" smtClean="0"/>
-              <a:t>Released in 2013</a:t>
+              <a:t>Built upon ASP.NET Membership</a:t>
             </a:r>
           </a:p>
           <a:p>
             <a:r>
               <a:rPr lang="en-US" sz="2400" dirty="0" smtClean="0"/>
-              <a:t>Simple &amp; flexible way to store and handle user data</a:t>
+              <a:t>Designed for ASP.NET MVC</a:t>
             </a:r>
           </a:p>
           <a:p>
             <a:r>
               <a:rPr lang="en-US" sz="2400" dirty="0" smtClean="0"/>
-              <a:t>Supports Roles &amp; Claims</a:t>
+              <a:t>Supports OAuth / OpenID</a:t>
             </a:r>
           </a:p>
           <a:p>
             <a:r>
               <a:rPr lang="en-US" sz="2400" dirty="0" smtClean="0"/>
-              <a:t>Social Login Providers using OAuth</a:t>
-            </a:r>
-          </a:p>
-          <a:p>
+              <a:t>Requires Microsoft </a:t>
+            </a:r>
             <a:r>
               <a:rPr lang="en-US" sz="2400" dirty="0" smtClean="0"/>
-              <a:t>Supports external Identity providers</a:t>
-            </a:r>
-          </a:p>
-          <a:p>
-            <a:r>
-              <a:rPr lang="en-US" sz="2400" dirty="0" smtClean="0"/>
-              <a:t>Supports customized databases</a:t>
-            </a:r>
-          </a:p>
-          <a:p>
-            <a:r>
-              <a:rPr lang="en-US" sz="2400" dirty="0" smtClean="0"/>
-              <a:t>Requires .NET 4.5</a:t>
-            </a:r>
-            <a:endParaRPr lang="en-US" sz="2400" dirty="0"/>
+              <a:t>databases (SQL)</a:t>
+            </a:r>
           </a:p>
         </p:txBody>
       </p:sp>
     </p:spTree>
     <p:extLst>
       <p:ext uri="{BB962C8B-B14F-4D97-AF65-F5344CB8AC3E}">
-        <p14:creationId xmlns:p14="http://schemas.microsoft.com/office/powerpoint/2010/main" val="2060103458"/>
+        <p14:creationId xmlns:p14="http://schemas.microsoft.com/office/powerpoint/2010/main" val="905685807"/>
       </p:ext>
     </p:extLst>
   </p:cSld>
@@ -8405,8 +8906,8 @@
         </p:nvSpPr>
         <p:spPr>
           <a:xfrm>
-            <a:off x="107504" y="1600200"/>
-            <a:ext cx="8856984" cy="4525963"/>
+            <a:off x="457200" y="1124744"/>
+            <a:ext cx="8229600" cy="5001419"/>
           </a:xfrm>
         </p:spPr>
         <p:txBody>
@@ -8424,7 +8925,7 @@
                   <a:srgbClr val="77933C"/>
                 </a:solidFill>
               </a:rPr>
-              <a:t>ASP.NET Identity 2.0</a:t>
+              <a:t>ASP.NET Identity 1.0</a:t>
             </a:r>
           </a:p>
           <a:p>
@@ -8436,37 +8937,43 @@
           <a:p>
             <a:r>
               <a:rPr lang="en-US" sz="2400" dirty="0" smtClean="0"/>
-              <a:t>Released in 2014</a:t>
+              <a:t>Released in 2013</a:t>
             </a:r>
           </a:p>
           <a:p>
             <a:r>
               <a:rPr lang="en-US" sz="2400" dirty="0" smtClean="0"/>
-              <a:t>Supports External Security Token Provider</a:t>
+              <a:t>Simple &amp; flexible way to store and handle user data</a:t>
             </a:r>
           </a:p>
           <a:p>
             <a:r>
               <a:rPr lang="en-US" sz="2400" dirty="0" smtClean="0"/>
-              <a:t>Two-Factor authentication</a:t>
+              <a:t>Supports Roles &amp; Claims</a:t>
             </a:r>
           </a:p>
           <a:p>
             <a:r>
               <a:rPr lang="en-US" sz="2400" dirty="0" smtClean="0"/>
-              <a:t>Account confirmation (Email/SMS)</a:t>
+              <a:t>Social Login Providers using OAuth</a:t>
             </a:r>
           </a:p>
           <a:p>
             <a:r>
               <a:rPr lang="en-US" sz="2400" dirty="0" smtClean="0"/>
-              <a:t>Account lockout (Configure lockout time and number of attempts)</a:t>
+              <a:t>Supports external Identity providers</a:t>
             </a:r>
           </a:p>
           <a:p>
             <a:r>
               <a:rPr lang="en-US" sz="2400" dirty="0" smtClean="0"/>
-              <a:t>Password reset (Email/SMS)</a:t>
+              <a:t>Supports customized databases</a:t>
+            </a:r>
+          </a:p>
+          <a:p>
+            <a:r>
+              <a:rPr lang="en-US" sz="2400" dirty="0" smtClean="0"/>
+              <a:t>Requires .NET 4.5</a:t>
             </a:r>
             <a:endParaRPr lang="en-US" sz="2400" dirty="0"/>
           </a:p>
@@ -8475,7 +8982,7 @@
     </p:spTree>
     <p:extLst>
       <p:ext uri="{BB962C8B-B14F-4D97-AF65-F5344CB8AC3E}">
-        <p14:creationId xmlns:p14="http://schemas.microsoft.com/office/powerpoint/2010/main" val="1187642867"/>
+        <p14:creationId xmlns:p14="http://schemas.microsoft.com/office/powerpoint/2010/main" val="2060103458"/>
       </p:ext>
     </p:extLst>
   </p:cSld>
@@ -8708,6 +9215,158 @@
           <a:lstStyle/>
           <a:p>
             <a:r>
+              <a:rPr lang="sv-SE" dirty="0"/>
+              <a:t>What was before ASP.NET Identity?</a:t>
+            </a:r>
+            <a:endParaRPr lang="en-GB" dirty="0"/>
+          </a:p>
+        </p:txBody>
+      </p:sp>
+      <p:sp>
+        <p:nvSpPr>
+          <p:cNvPr id="3" name="Platshållare för innehåll 2"/>
+          <p:cNvSpPr>
+            <a:spLocks noGrp="1"/>
+          </p:cNvSpPr>
+          <p:nvPr>
+            <p:ph idx="1"/>
+          </p:nvPr>
+        </p:nvSpPr>
+        <p:spPr>
+          <a:xfrm>
+            <a:off x="143508" y="1124744"/>
+            <a:ext cx="8856984" cy="4525963"/>
+          </a:xfrm>
+        </p:spPr>
+        <p:txBody>
+          <a:bodyPr>
+            <a:normAutofit/>
+          </a:bodyPr>
+          <a:lstStyle/>
+          <a:p>
+            <a:pPr marL="0" indent="0">
+              <a:buNone/>
+            </a:pPr>
+            <a:r>
+              <a:rPr lang="en-US" sz="3200" b="1" dirty="0" smtClean="0">
+                <a:solidFill>
+                  <a:srgbClr val="77933C"/>
+                </a:solidFill>
+              </a:rPr>
+              <a:t>ASP.NET Identity 2.0</a:t>
+            </a:r>
+          </a:p>
+          <a:p>
+            <a:pPr marL="0" indent="0">
+              <a:buNone/>
+            </a:pPr>
+            <a:endParaRPr lang="en-US" sz="3200" dirty="0" smtClean="0"/>
+          </a:p>
+          <a:p>
+            <a:r>
+              <a:rPr lang="en-US" sz="2400" dirty="0" smtClean="0"/>
+              <a:t>Released in 2014</a:t>
+            </a:r>
+          </a:p>
+          <a:p>
+            <a:r>
+              <a:rPr lang="en-US" sz="2400" dirty="0" smtClean="0"/>
+              <a:t>Supports External Security Token </a:t>
+            </a:r>
+            <a:r>
+              <a:rPr lang="en-US" sz="2400" dirty="0" smtClean="0"/>
+              <a:t>Provider (STS)</a:t>
+            </a:r>
+            <a:endParaRPr lang="en-US" sz="2400" dirty="0" smtClean="0"/>
+          </a:p>
+          <a:p>
+            <a:r>
+              <a:rPr lang="en-US" sz="2400" dirty="0" smtClean="0"/>
+              <a:t>Two-Factor authentication</a:t>
+            </a:r>
+          </a:p>
+          <a:p>
+            <a:r>
+              <a:rPr lang="en-US" sz="2400" dirty="0" smtClean="0"/>
+              <a:t>Account confirmation (Email/SMS)</a:t>
+            </a:r>
+          </a:p>
+          <a:p>
+            <a:r>
+              <a:rPr lang="en-US" sz="2400" dirty="0" smtClean="0"/>
+              <a:t>Account lockout (Configure lockout time and number of attempts)</a:t>
+            </a:r>
+          </a:p>
+          <a:p>
+            <a:r>
+              <a:rPr lang="en-US" sz="2400" dirty="0" smtClean="0"/>
+              <a:t>Password </a:t>
+            </a:r>
+            <a:r>
+              <a:rPr lang="en-US" sz="2400" dirty="0" smtClean="0"/>
+              <a:t>reset feature </a:t>
+            </a:r>
+            <a:r>
+              <a:rPr lang="en-US" sz="2400" dirty="0" smtClean="0"/>
+              <a:t>(Email/SMS)</a:t>
+            </a:r>
+            <a:endParaRPr lang="en-US" sz="2400" dirty="0"/>
+          </a:p>
+        </p:txBody>
+      </p:sp>
+    </p:spTree>
+    <p:extLst>
+      <p:ext uri="{BB962C8B-B14F-4D97-AF65-F5344CB8AC3E}">
+        <p14:creationId xmlns:p14="http://schemas.microsoft.com/office/powerpoint/2010/main" val="1187642867"/>
+      </p:ext>
+    </p:extLst>
+  </p:cSld>
+  <p:clrMapOvr>
+    <a:masterClrMapping/>
+  </p:clrMapOvr>
+  <p:timing>
+    <p:tnLst>
+      <p:par>
+        <p:cTn id="1" dur="indefinite" restart="never" nodeType="tmRoot"/>
+      </p:par>
+    </p:tnLst>
+  </p:timing>
+</p:sld>
+</file>
+
+<file path=ppt/slides/slide21.xml><?xml version="1.0" encoding="utf-8"?>
+<p:sld xmlns:a="http://schemas.openxmlformats.org/drawingml/2006/main" xmlns:r="http://schemas.openxmlformats.org/officeDocument/2006/relationships" xmlns:p="http://schemas.openxmlformats.org/presentationml/2006/main">
+  <p:cSld>
+    <p:spTree>
+      <p:nvGrpSpPr>
+        <p:cNvPr id="1" name=""/>
+        <p:cNvGrpSpPr/>
+        <p:nvPr/>
+      </p:nvGrpSpPr>
+      <p:grpSpPr>
+        <a:xfrm>
+          <a:off x="0" y="0"/>
+          <a:ext cx="0" cy="0"/>
+          <a:chOff x="0" y="0"/>
+          <a:chExt cx="0" cy="0"/>
+        </a:xfrm>
+      </p:grpSpPr>
+      <p:sp>
+        <p:nvSpPr>
+          <p:cNvPr id="2" name="Rubrik 1"/>
+          <p:cNvSpPr>
+            <a:spLocks noGrp="1"/>
+          </p:cNvSpPr>
+          <p:nvPr>
+            <p:ph type="title"/>
+          </p:nvPr>
+        </p:nvSpPr>
+        <p:spPr/>
+        <p:txBody>
+          <a:bodyPr/>
+          <a:lstStyle/>
+          <a:p>
+            <a:r>
               <a:rPr lang="en-GB" dirty="0" smtClean="0"/>
               <a:t>Resources</a:t>
             </a:r>
@@ -8905,7 +9564,7 @@
 </p:sld>
 </file>
 
-<file path=ppt/slides/slide21.xml><?xml version="1.0" encoding="utf-8"?>
+<file path=ppt/slides/slide22.xml><?xml version="1.0" encoding="utf-8"?>
 <p:sld xmlns:a="http://schemas.openxmlformats.org/drawingml/2006/main" xmlns:r="http://schemas.openxmlformats.org/officeDocument/2006/relationships" xmlns:p="http://schemas.openxmlformats.org/presentationml/2006/main">
   <p:cSld>
     <p:spTree>
@@ -9412,7 +10071,7 @@
         <p:spPr>
           <a:xfrm>
             <a:off x="251520" y="1052736"/>
-            <a:ext cx="8568952" cy="5073427"/>
+            <a:ext cx="8568952" cy="5400600"/>
           </a:xfrm>
         </p:spPr>
         <p:txBody>
@@ -9421,7 +10080,7 @@
           </a:bodyPr>
           <a:lstStyle/>
           <a:p>
-            <a:pPr marL="0" indent="0">
+            <a:pPr marL="0" indent="0" algn="ctr">
               <a:buNone/>
             </a:pPr>
             <a:r>
@@ -9445,7 +10104,7 @@
             </a:r>
           </a:p>
           <a:p>
-            <a:pPr marL="0" indent="0">
+            <a:pPr marL="0" indent="0" algn="ctr">
               <a:buNone/>
             </a:pPr>
             <a:r>
@@ -9494,8 +10153,19 @@
           <a:p>
             <a:r>
               <a:rPr lang="sv-SE" sz="2400" dirty="0"/>
-              <a:t>Two-Factor Authentication</a:t>
-            </a:r>
+              <a:t>Two-Factor </a:t>
+            </a:r>
+            <a:r>
+              <a:rPr lang="sv-SE" sz="2400" dirty="0" smtClean="0"/>
+              <a:t>Authentication</a:t>
+            </a:r>
+          </a:p>
+          <a:p>
+            <a:r>
+              <a:rPr lang="sv-SE" sz="2400" dirty="0" smtClean="0"/>
+              <a:t>Claim-based</a:t>
+            </a:r>
+            <a:endParaRPr lang="sv-SE" sz="2400" dirty="0"/>
           </a:p>
           <a:p>
             <a:endParaRPr lang="en-US" sz="2400" dirty="0" smtClean="0"/>
@@ -9595,11 +10265,7 @@
             </a:r>
             <a:r>
               <a:rPr lang="en-GB" smtClean="0"/>
-              <a:t>delegated </a:t>
-            </a:r>
-            <a:r>
-              <a:rPr lang="en-GB" smtClean="0"/>
-              <a:t>authentication, </a:t>
+              <a:t>delegated authentication, </a:t>
             </a:r>
             <a:r>
               <a:rPr lang="en-GB" dirty="0" smtClean="0"/>
@@ -10217,13 +10883,31 @@
             <a:pPr marL="0" indent="0">
               <a:buNone/>
             </a:pPr>
+            <a:endParaRPr lang="en-US" sz="3200" b="1" dirty="0" smtClean="0">
+              <a:solidFill>
+                <a:srgbClr val="77933C"/>
+              </a:solidFill>
+            </a:endParaRPr>
+          </a:p>
+          <a:p>
+            <a:pPr marL="0" indent="0">
+              <a:buNone/>
+            </a:pPr>
             <a:r>
               <a:rPr lang="en-US" sz="3200" b="1" dirty="0" smtClean="0">
                 <a:solidFill>
                   <a:srgbClr val="77933C"/>
                 </a:solidFill>
               </a:rPr>
-              <a:t>Claims-based authentication</a:t>
+              <a:t>Claims-based </a:t>
+            </a:r>
+            <a:r>
+              <a:rPr lang="en-US" sz="3200" b="1" dirty="0" smtClean="0">
+                <a:solidFill>
+                  <a:srgbClr val="77933C"/>
+                </a:solidFill>
+              </a:rPr>
+              <a:t>authentication</a:t>
             </a:r>
           </a:p>
           <a:p>
@@ -10262,32 +10946,6 @@
             <a:pPr marL="0" indent="0">
               <a:buNone/>
             </a:pPr>
-            <a:endParaRPr lang="en-US" sz="3200" dirty="0"/>
-          </a:p>
-          <a:p>
-            <a:pPr marL="0" indent="0">
-              <a:buNone/>
-            </a:pPr>
-            <a:r>
-              <a:rPr lang="en-US" sz="3200" dirty="0" smtClean="0"/>
-              <a:t>You can look at claims as a users properties, for example: name, age</a:t>
-            </a:r>
-            <a:r>
-              <a:rPr lang="en-US" sz="3200" dirty="0"/>
-              <a:t> </a:t>
-            </a:r>
-            <a:r>
-              <a:rPr lang="en-US" sz="3200" dirty="0" smtClean="0"/>
-              <a:t>or </a:t>
-            </a:r>
-            <a:r>
-              <a:rPr lang="en-US" sz="3200" dirty="0" err="1" smtClean="0"/>
-              <a:t>IsAdmin</a:t>
-            </a:r>
-            <a:r>
-              <a:rPr lang="en-US" sz="3200" dirty="0" smtClean="0"/>
-              <a:t>.</a:t>
-            </a:r>
             <a:endParaRPr lang="en-US" sz="3200" dirty="0"/>
           </a:p>
         </p:txBody>
@@ -10313,7 +10971,7 @@
 </file>
 
 <file path=ppt/slides/slide9.xml><?xml version="1.0" encoding="utf-8"?>
-<p:sld xmlns:a="http://schemas.openxmlformats.org/drawingml/2006/main" xmlns:r="http://schemas.openxmlformats.org/officeDocument/2006/relationships" xmlns:p="http://schemas.openxmlformats.org/presentationml/2006/main" show="0">
+<p:sld xmlns:a="http://schemas.openxmlformats.org/drawingml/2006/main" xmlns:r="http://schemas.openxmlformats.org/officeDocument/2006/relationships" xmlns:p="http://schemas.openxmlformats.org/presentationml/2006/main">
   <p:cSld>
     <p:spTree>
       <p:nvGrpSpPr>
@@ -10346,7 +11004,7 @@
           <a:p>
             <a:r>
               <a:rPr lang="sv-SE" dirty="0" smtClean="0"/>
-              <a:t>Why ASP.NET Identity</a:t>
+              <a:t>Why ASP.NET Identity?</a:t>
             </a:r>
             <a:endParaRPr lang="en-GB" dirty="0"/>
           </a:p>
@@ -10362,66 +11020,243 @@
             <p:ph idx="1"/>
           </p:nvPr>
         </p:nvSpPr>
-        <p:spPr/>
+        <p:spPr>
+          <a:xfrm>
+            <a:off x="457200" y="980728"/>
+            <a:ext cx="8219256" cy="5145435"/>
+          </a:xfrm>
+        </p:spPr>
         <p:txBody>
           <a:bodyPr>
             <a:normAutofit/>
           </a:bodyPr>
           <a:lstStyle/>
           <a:p>
-            <a:pPr marL="0" lvl="0" indent="0">
+            <a:pPr marL="0" indent="0">
               <a:buNone/>
             </a:pPr>
-            <a:r>
-              <a:rPr lang="en-GB" sz="3200" b="1" dirty="0" smtClean="0">
+            <a:endParaRPr lang="en-US" sz="3200" b="1" dirty="0" smtClean="0">
+              <a:solidFill>
+                <a:srgbClr val="77933C"/>
+              </a:solidFill>
+            </a:endParaRPr>
+          </a:p>
+          <a:p>
+            <a:pPr marL="0" indent="0">
+              <a:buNone/>
+            </a:pPr>
+            <a:r>
+              <a:rPr lang="en-US" sz="3200" b="1" dirty="0" smtClean="0">
                 <a:solidFill>
                   <a:srgbClr val="77933C"/>
                 </a:solidFill>
               </a:rPr>
-              <a:t>Identity is integrated into the OWIN pipeline</a:t>
-            </a:r>
-          </a:p>
-          <a:p>
-            <a:pPr marL="0" lvl="0" indent="0">
+              <a:t>Claims-based authentication</a:t>
+            </a:r>
+            <a:endParaRPr lang="en-US" sz="3200" dirty="0"/>
+          </a:p>
+          <a:p>
+            <a:pPr marL="0" indent="0">
               <a:buNone/>
             </a:pPr>
+            <a:r>
+              <a:rPr lang="en-US" sz="3200" dirty="0" smtClean="0"/>
+              <a:t>You can look at claims as a users properties, for example: name, age</a:t>
+            </a:r>
+            <a:r>
+              <a:rPr lang="en-US" sz="3200" dirty="0"/>
+              <a:t> </a:t>
+            </a:r>
+            <a:r>
+              <a:rPr lang="en-US" sz="3200" dirty="0" smtClean="0"/>
+              <a:t>or </a:t>
+            </a:r>
+            <a:r>
+              <a:rPr lang="en-US" sz="3200" dirty="0" err="1" smtClean="0"/>
+              <a:t>IsAdmin</a:t>
+            </a:r>
             <a:endParaRPr lang="en-US" sz="3200" dirty="0" smtClean="0"/>
           </a:p>
           <a:p>
-            <a:pPr marL="0" lvl="0" indent="0">
+            <a:pPr marL="0" indent="0">
               <a:buNone/>
             </a:pPr>
-            <a:r>
-              <a:rPr lang="en-US" sz="3200" dirty="0" smtClean="0"/>
-              <a:t>OWIN decouples the communication between your application and the server/database</a:t>
-            </a:r>
-          </a:p>
-          <a:p>
-            <a:pPr marL="0" lvl="0" indent="0">
+            <a:endParaRPr lang="en-US" sz="3200" dirty="0"/>
+          </a:p>
+          <a:p>
+            <a:pPr marL="0" indent="0">
               <a:buNone/>
             </a:pPr>
-            <a:endParaRPr lang="sv-SE" sz="3200" dirty="0" smtClean="0"/>
-          </a:p>
-        </p:txBody>
-      </p:sp>
+            <a:endParaRPr lang="en-US" sz="3200" dirty="0"/>
+          </a:p>
+        </p:txBody>
+      </p:sp>
+      <p:graphicFrame>
+        <p:nvGraphicFramePr>
+          <p:cNvPr id="6" name="Tabell 5"/>
+          <p:cNvGraphicFramePr>
+            <a:graphicFrameLocks noGrp="1"/>
+          </p:cNvGraphicFramePr>
+          <p:nvPr>
+            <p:extLst>
+              <p:ext uri="{D42A27DB-BD31-4B8C-83A1-F6EECF244321}">
+                <p14:modId xmlns:p14="http://schemas.microsoft.com/office/powerpoint/2010/main" val="1976422979"/>
+              </p:ext>
+            </p:extLst>
+          </p:nvPr>
+        </p:nvGraphicFramePr>
+        <p:xfrm>
+          <a:off x="1331640" y="3428999"/>
+          <a:ext cx="3456950" cy="2592289"/>
+        </p:xfrm>
+        <a:graphic>
+          <a:graphicData uri="http://schemas.openxmlformats.org/drawingml/2006/table">
+            <a:tbl>
+              <a:tblPr firstRow="1" bandRow="1">
+                <a:tableStyleId>{5C22544A-7EE6-4342-B048-85BDC9FD1C3A}</a:tableStyleId>
+              </a:tblPr>
+              <a:tblGrid>
+                <a:gridCol w="1728475"/>
+                <a:gridCol w="1728475"/>
+              </a:tblGrid>
+              <a:tr h="599467">
+                <a:tc gridSpan="2">
+                  <a:txBody>
+                    <a:bodyPr/>
+                    <a:lstStyle/>
+                    <a:p>
+                      <a:pPr algn="ctr"/>
+                      <a:r>
+                        <a:rPr lang="en-US" sz="2400" dirty="0" smtClean="0"/>
+                        <a:t>User</a:t>
+                      </a:r>
+                      <a:endParaRPr lang="en-US" sz="2400" dirty="0"/>
+                    </a:p>
+                  </a:txBody>
+                  <a:tcPr/>
+                </a:tc>
+                <a:tc hMerge="1">
+                  <a:txBody>
+                    <a:bodyPr/>
+                    <a:lstStyle/>
+                    <a:p>
+                      <a:endParaRPr lang="en-US" dirty="0"/>
+                    </a:p>
+                  </a:txBody>
+                  <a:tcPr/>
+                </a:tc>
+              </a:tr>
+              <a:tr h="664274">
+                <a:tc>
+                  <a:txBody>
+                    <a:bodyPr/>
+                    <a:lstStyle/>
+                    <a:p>
+                      <a:r>
+                        <a:rPr lang="en-US" sz="2000" dirty="0" smtClean="0"/>
+                        <a:t>Name</a:t>
+                      </a:r>
+                      <a:endParaRPr lang="en-US" sz="2000" dirty="0"/>
+                    </a:p>
+                  </a:txBody>
+                  <a:tcPr/>
+                </a:tc>
+                <a:tc>
+                  <a:txBody>
+                    <a:bodyPr/>
+                    <a:lstStyle/>
+                    <a:p>
+                      <a:r>
+                        <a:rPr lang="en-US" sz="2000" dirty="0" smtClean="0"/>
+                        <a:t>Billy</a:t>
+                      </a:r>
+                      <a:endParaRPr lang="en-US" sz="2000" dirty="0"/>
+                    </a:p>
+                  </a:txBody>
+                  <a:tcPr/>
+                </a:tc>
+              </a:tr>
+              <a:tr h="664274">
+                <a:tc>
+                  <a:txBody>
+                    <a:bodyPr/>
+                    <a:lstStyle/>
+                    <a:p>
+                      <a:r>
+                        <a:rPr lang="en-US" sz="2000" dirty="0" smtClean="0"/>
+                        <a:t>Age</a:t>
+                      </a:r>
+                      <a:endParaRPr lang="en-US" sz="2000" dirty="0"/>
+                    </a:p>
+                  </a:txBody>
+                  <a:tcPr/>
+                </a:tc>
+                <a:tc>
+                  <a:txBody>
+                    <a:bodyPr/>
+                    <a:lstStyle/>
+                    <a:p>
+                      <a:r>
+                        <a:rPr lang="en-US" sz="2000" dirty="0" smtClean="0"/>
+                        <a:t>23</a:t>
+                      </a:r>
+                      <a:endParaRPr lang="en-US" sz="2000" dirty="0"/>
+                    </a:p>
+                  </a:txBody>
+                  <a:tcPr/>
+                </a:tc>
+              </a:tr>
+              <a:tr h="664274">
+                <a:tc>
+                  <a:txBody>
+                    <a:bodyPr/>
+                    <a:lstStyle/>
+                    <a:p>
+                      <a:r>
+                        <a:rPr lang="en-US" sz="2000" dirty="0" err="1" smtClean="0"/>
+                        <a:t>IsAdmin</a:t>
+                      </a:r>
+                      <a:endParaRPr lang="en-US" sz="2000" dirty="0"/>
+                    </a:p>
+                  </a:txBody>
+                  <a:tcPr/>
+                </a:tc>
+                <a:tc>
+                  <a:txBody>
+                    <a:bodyPr/>
+                    <a:lstStyle/>
+                    <a:p>
+                      <a:r>
+                        <a:rPr lang="en-US" sz="2000" dirty="0" smtClean="0"/>
+                        <a:t>false</a:t>
+                      </a:r>
+                      <a:endParaRPr lang="en-US" sz="2000" dirty="0"/>
+                    </a:p>
+                  </a:txBody>
+                  <a:tcPr/>
+                </a:tc>
+              </a:tr>
+            </a:tbl>
+          </a:graphicData>
+        </a:graphic>
+      </p:graphicFrame>
     </p:spTree>
     <p:extLst>
       <p:ext uri="{BB962C8B-B14F-4D97-AF65-F5344CB8AC3E}">
-        <p14:creationId xmlns:p14="http://schemas.microsoft.com/office/powerpoint/2010/main" val="1630913998"/>
+        <p14:creationId xmlns:p14="http://schemas.microsoft.com/office/powerpoint/2010/main" val="1851408429"/>
       </p:ext>
     </p:extLst>
   </p:cSld>
   <p:clrMapOvr>
     <a:masterClrMapping/>
   </p:clrMapOvr>
-  <mc:AlternateContent xmlns:mc="http://schemas.openxmlformats.org/markup-compatibility/2006" xmlns:p14="http://schemas.microsoft.com/office/powerpoint/2010/main">
-    <mc:Choice Requires="p14">
-      <p:transition spd="slow" p14:dur="2000"/>
-    </mc:Choice>
-    <mc:Fallback xmlns="">
-      <p:transition spd="slow"/>
-    </mc:Fallback>
-  </mc:AlternateContent>
+  <p:timing>
+    <p:tnLst>
+      <p:par>
+        <p:cTn id="1" dur="indefinite" restart="never" nodeType="tmRoot"/>
+      </p:par>
+    </p:tnLst>
+  </p:timing>
 </p:sld>
 </file>
 
